--- a/仕様書/ステージ.pptx
+++ b/仕様書/ステージ.pptx
@@ -6,8 +6,7 @@
   </p:sldMasterIdLst>
   <p:sldIdLst>
     <p:sldId id="256" r:id="rId2"/>
-    <p:sldId id="257" r:id="rId3"/>
-    <p:sldId id="258" r:id="rId4"/>
+    <p:sldId id="258" r:id="rId3"/>
   </p:sldIdLst>
   <p:sldSz cx="12192000" cy="6858000"/>
   <p:notesSz cx="6858000" cy="9144000"/>
@@ -106,6 +105,11 @@
       </a:defRPr>
     </a:lvl9pPr>
   </p:defaultTextStyle>
+  <p:extLst>
+    <p:ext uri="{EFAFB233-063F-42B5-8137-9DF3F51BA10A}">
+      <p15:sldGuideLst xmlns:p15="http://schemas.microsoft.com/office/powerpoint/2012/main"/>
+    </p:ext>
+  </p:extLst>
 </p:presentation>
 </file>
 
@@ -3706,6 +3710,135 @@
           <a:chExt cx="0" cy="0"/>
         </a:xfrm>
       </p:grpSpPr>
+      <p:sp>
+        <p:nvSpPr>
+          <p:cNvPr id="2" name="テキスト ボックス 1">
+            <a:extLst>
+              <a:ext uri="{FF2B5EF4-FFF2-40B4-BE49-F238E27FC236}">
+                <a16:creationId xmlns:a16="http://schemas.microsoft.com/office/drawing/2014/main" id="{5EBE6C57-EAA7-4AD0-BDA0-44F64B667EB4}"/>
+              </a:ext>
+            </a:extLst>
+          </p:cNvPr>
+          <p:cNvSpPr txBox="1"/>
+          <p:nvPr/>
+        </p:nvSpPr>
+        <p:spPr>
+          <a:xfrm>
+            <a:off x="1290917" y="1866288"/>
+            <a:ext cx="9610165" cy="3970318"/>
+          </a:xfrm>
+          <a:prstGeom prst="rect">
+            <a:avLst/>
+          </a:prstGeom>
+          <a:noFill/>
+        </p:spPr>
+        <p:txBody>
+          <a:bodyPr wrap="square" rtlCol="0">
+            <a:spAutoFit/>
+          </a:bodyPr>
+          <a:lstStyle/>
+          <a:p>
+            <a:r>
+              <a:rPr lang="ja-JP" altLang="en-US" sz="3600" dirty="0"/>
+              <a:t>上スクロール</a:t>
+            </a:r>
+            <a:endParaRPr lang="en-US" altLang="ja-JP" sz="3600" dirty="0"/>
+          </a:p>
+          <a:p>
+            <a:endParaRPr lang="en-US" altLang="ja-JP" sz="3600" dirty="0"/>
+          </a:p>
+          <a:p>
+            <a:r>
+              <a:rPr lang="ja-JP" altLang="en-US" sz="3600" dirty="0"/>
+              <a:t>プレイヤー、敵、弾、ブロック、旗が存在している</a:t>
+            </a:r>
+            <a:endParaRPr lang="en-US" altLang="ja-JP" sz="3600" dirty="0"/>
+          </a:p>
+          <a:p>
+            <a:endParaRPr lang="en-US" altLang="ja-JP" sz="3600" dirty="0"/>
+          </a:p>
+          <a:p>
+            <a:r>
+              <a:rPr kumimoji="1" lang="ja-JP" altLang="en-US" sz="3600" dirty="0"/>
+              <a:t>旗を取るとゲームクリア</a:t>
+            </a:r>
+            <a:endParaRPr kumimoji="1" lang="en-US" altLang="ja-JP" sz="3600" dirty="0"/>
+          </a:p>
+          <a:p>
+            <a:endParaRPr kumimoji="1" lang="en-US" altLang="ja-JP" sz="3600" dirty="0"/>
+          </a:p>
+          <a:p>
+            <a:r>
+              <a:rPr kumimoji="1" lang="ja-JP" altLang="en-US" sz="3600" dirty="0"/>
+              <a:t>画面の端</a:t>
+            </a:r>
+            <a:r>
+              <a:rPr kumimoji="1" lang="ja-JP" altLang="en-US" sz="3600"/>
+              <a:t>に何ｍ登ったか等</a:t>
+            </a:r>
+            <a:r>
+              <a:rPr kumimoji="1" lang="ja-JP" altLang="en-US" sz="3600" dirty="0"/>
+              <a:t>のスコアを表示</a:t>
+            </a:r>
+            <a:endParaRPr kumimoji="1" lang="en-US" altLang="ja-JP" sz="3600" dirty="0"/>
+          </a:p>
+        </p:txBody>
+      </p:sp>
+      <p:sp>
+        <p:nvSpPr>
+          <p:cNvPr id="3" name="平行四辺形 2">
+            <a:extLst>
+              <a:ext uri="{FF2B5EF4-FFF2-40B4-BE49-F238E27FC236}">
+                <a16:creationId xmlns:a16="http://schemas.microsoft.com/office/drawing/2014/main" id="{F374931E-C026-4057-8565-4ED8D2D09CFB}"/>
+              </a:ext>
+            </a:extLst>
+          </p:cNvPr>
+          <p:cNvSpPr/>
+          <p:nvPr/>
+        </p:nvSpPr>
+        <p:spPr>
+          <a:xfrm>
+            <a:off x="403412" y="331694"/>
+            <a:ext cx="5316070" cy="1004047"/>
+          </a:xfrm>
+          <a:prstGeom prst="parallelogram">
+            <a:avLst/>
+          </a:prstGeom>
+          <a:solidFill>
+            <a:schemeClr val="accent1">
+              <a:lumMod val="60000"/>
+              <a:lumOff val="40000"/>
+            </a:schemeClr>
+          </a:solidFill>
+          <a:ln>
+            <a:noFill/>
+          </a:ln>
+        </p:spPr>
+        <p:style>
+          <a:lnRef idx="2">
+            <a:schemeClr val="dk1"/>
+          </a:lnRef>
+          <a:fillRef idx="1">
+            <a:schemeClr val="lt1"/>
+          </a:fillRef>
+          <a:effectRef idx="0">
+            <a:schemeClr val="dk1"/>
+          </a:effectRef>
+          <a:fontRef idx="minor">
+            <a:schemeClr val="dk1"/>
+          </a:fontRef>
+        </p:style>
+        <p:txBody>
+          <a:bodyPr rtlCol="0" anchor="ctr"/>
+          <a:lstStyle/>
+          <a:p>
+            <a:r>
+              <a:rPr kumimoji="1" lang="ja-JP" altLang="en-US" sz="6000" dirty="0"/>
+              <a:t>ステージ</a:t>
+            </a:r>
+          </a:p>
+        </p:txBody>
+      </p:sp>
     </p:spTree>
     <p:extLst>
       <p:ext uri="{BB962C8B-B14F-4D97-AF65-F5344CB8AC3E}">
@@ -3720,36 +3853,6 @@
 </file>
 
 <file path=ppt/slides/slide2.xml><?xml version="1.0" encoding="utf-8"?>
-<p:sld xmlns:a="http://schemas.openxmlformats.org/drawingml/2006/main" xmlns:r="http://schemas.openxmlformats.org/officeDocument/2006/relationships" xmlns:p="http://schemas.openxmlformats.org/presentationml/2006/main">
-  <p:cSld>
-    <p:spTree>
-      <p:nvGrpSpPr>
-        <p:cNvPr id="1" name=""/>
-        <p:cNvGrpSpPr/>
-        <p:nvPr/>
-      </p:nvGrpSpPr>
-      <p:grpSpPr>
-        <a:xfrm>
-          <a:off x="0" y="0"/>
-          <a:ext cx="0" cy="0"/>
-          <a:chOff x="0" y="0"/>
-          <a:chExt cx="0" cy="0"/>
-        </a:xfrm>
-      </p:grpSpPr>
-    </p:spTree>
-    <p:extLst>
-      <p:ext uri="{BB962C8B-B14F-4D97-AF65-F5344CB8AC3E}">
-        <p14:creationId xmlns:p14="http://schemas.microsoft.com/office/powerpoint/2010/main" val="1307568210"/>
-      </p:ext>
-    </p:extLst>
-  </p:cSld>
-  <p:clrMapOvr>
-    <a:masterClrMapping/>
-  </p:clrMapOvr>
-</p:sld>
-</file>
-
-<file path=ppt/slides/slide3.xml><?xml version="1.0" encoding="utf-8"?>
 <p:sld xmlns:a="http://schemas.openxmlformats.org/drawingml/2006/main" xmlns:r="http://schemas.openxmlformats.org/officeDocument/2006/relationships" xmlns:p="http://schemas.openxmlformats.org/presentationml/2006/main">
   <p:cSld>
     <p:spTree>
@@ -3970,7 +4073,31 @@
       </a:bgFillStyleLst>
     </a:fmtScheme>
   </a:themeElements>
-  <a:objectDefaults/>
+  <a:objectDefaults>
+    <a:spDef>
+      <a:spPr/>
+      <a:bodyPr rtlCol="0" anchor="ctr"/>
+      <a:lstStyle>
+        <a:defPPr algn="ctr">
+          <a:defRPr kumimoji="1"/>
+        </a:defPPr>
+      </a:lstStyle>
+      <a:style>
+        <a:lnRef idx="2">
+          <a:schemeClr val="dk1"/>
+        </a:lnRef>
+        <a:fillRef idx="1">
+          <a:schemeClr val="lt1"/>
+        </a:fillRef>
+        <a:effectRef idx="0">
+          <a:schemeClr val="dk1"/>
+        </a:effectRef>
+        <a:fontRef idx="minor">
+          <a:schemeClr val="dk1"/>
+        </a:fontRef>
+      </a:style>
+    </a:spDef>
+  </a:objectDefaults>
   <a:extraClrSchemeLst/>
   <a:extLst>
     <a:ext uri="{05A4C25C-085E-4340-85A3-A5531E510DB2}">

--- a/仕様書/ステージ.pptx
+++ b/仕様書/ステージ.pptx
@@ -6,7 +6,6 @@
   </p:sldMasterIdLst>
   <p:sldIdLst>
     <p:sldId id="256" r:id="rId2"/>
-    <p:sldId id="258" r:id="rId3"/>
   </p:sldIdLst>
   <p:sldSz cx="12192000" cy="6858000"/>
   <p:notesSz cx="6858000" cy="9144000"/>
@@ -3770,15 +3769,7 @@
           <a:p>
             <a:r>
               <a:rPr kumimoji="1" lang="ja-JP" altLang="en-US" sz="3600" dirty="0"/>
-              <a:t>画面の端</a:t>
-            </a:r>
-            <a:r>
-              <a:rPr kumimoji="1" lang="ja-JP" altLang="en-US" sz="3600"/>
-              <a:t>に何ｍ登ったか等</a:t>
-            </a:r>
-            <a:r>
-              <a:rPr kumimoji="1" lang="ja-JP" altLang="en-US" sz="3600" dirty="0"/>
-              <a:t>のスコアを表示</a:t>
+              <a:t>画面の端に何ｍ登ったか等のスコアを表示</a:t>
             </a:r>
             <a:endParaRPr kumimoji="1" lang="en-US" altLang="ja-JP" sz="3600" dirty="0"/>
           </a:p>
@@ -3843,36 +3834,6 @@
     <p:extLst>
       <p:ext uri="{BB962C8B-B14F-4D97-AF65-F5344CB8AC3E}">
         <p14:creationId xmlns:p14="http://schemas.microsoft.com/office/powerpoint/2010/main" val="3361710324"/>
-      </p:ext>
-    </p:extLst>
-  </p:cSld>
-  <p:clrMapOvr>
-    <a:masterClrMapping/>
-  </p:clrMapOvr>
-</p:sld>
-</file>
-
-<file path=ppt/slides/slide2.xml><?xml version="1.0" encoding="utf-8"?>
-<p:sld xmlns:a="http://schemas.openxmlformats.org/drawingml/2006/main" xmlns:r="http://schemas.openxmlformats.org/officeDocument/2006/relationships" xmlns:p="http://schemas.openxmlformats.org/presentationml/2006/main">
-  <p:cSld>
-    <p:spTree>
-      <p:nvGrpSpPr>
-        <p:cNvPr id="1" name=""/>
-        <p:cNvGrpSpPr/>
-        <p:nvPr/>
-      </p:nvGrpSpPr>
-      <p:grpSpPr>
-        <a:xfrm>
-          <a:off x="0" y="0"/>
-          <a:ext cx="0" cy="0"/>
-          <a:chOff x="0" y="0"/>
-          <a:chExt cx="0" cy="0"/>
-        </a:xfrm>
-      </p:grpSpPr>
-    </p:spTree>
-    <p:extLst>
-      <p:ext uri="{BB962C8B-B14F-4D97-AF65-F5344CB8AC3E}">
-        <p14:creationId xmlns:p14="http://schemas.microsoft.com/office/powerpoint/2010/main" val="1386761371"/>
       </p:ext>
     </p:extLst>
   </p:cSld>

--- a/仕様書/ステージ.pptx
+++ b/仕様書/ステージ.pptx
@@ -3723,8 +3723,8 @@
         </p:nvSpPr>
         <p:spPr>
           <a:xfrm>
-            <a:off x="1290917" y="1866288"/>
-            <a:ext cx="9610165" cy="3970318"/>
+            <a:off x="519952" y="2018688"/>
+            <a:ext cx="10901083" cy="2862322"/>
           </a:xfrm>
           <a:prstGeom prst="rect">
             <a:avLst/>
@@ -3744,26 +3744,24 @@
             <a:endParaRPr lang="en-US" altLang="ja-JP" sz="3600" dirty="0"/>
           </a:p>
           <a:p>
+            <a:r>
+              <a:rPr lang="ja-JP" altLang="en-US" sz="3600" dirty="0"/>
+              <a:t>長めの１ステージ</a:t>
+            </a:r>
             <a:endParaRPr lang="en-US" altLang="ja-JP" sz="3600" dirty="0"/>
           </a:p>
           <a:p>
             <a:r>
               <a:rPr lang="ja-JP" altLang="en-US" sz="3600" dirty="0"/>
-              <a:t>プレイヤー、敵、弾、ブロック、旗が存在している</a:t>
+              <a:t>プレイヤー、敵、弾、ブロック、旗、コインが存在している</a:t>
             </a:r>
             <a:endParaRPr lang="en-US" altLang="ja-JP" sz="3600" dirty="0"/>
           </a:p>
           <a:p>
-            <a:endParaRPr lang="en-US" altLang="ja-JP" sz="3600" dirty="0"/>
-          </a:p>
-          <a:p>
             <a:r>
               <a:rPr kumimoji="1" lang="ja-JP" altLang="en-US" sz="3600" dirty="0"/>
-              <a:t>旗を取るとゲームクリア</a:t>
-            </a:r>
-            <a:endParaRPr kumimoji="1" lang="en-US" altLang="ja-JP" sz="3600" dirty="0"/>
-          </a:p>
-          <a:p>
+              <a:t>プレイヤーがコインを一定数集めるとクリア画面に移行</a:t>
+            </a:r>
             <a:endParaRPr kumimoji="1" lang="en-US" altLang="ja-JP" sz="3600" dirty="0"/>
           </a:p>
           <a:p>

--- a/仕様書/ステージ.pptx
+++ b/仕様書/ステージ.pptx
@@ -3723,8 +3723,8 @@
         </p:nvSpPr>
         <p:spPr>
           <a:xfrm>
-            <a:off x="519952" y="2018688"/>
-            <a:ext cx="10901083" cy="2862322"/>
+            <a:off x="519952" y="1516664"/>
+            <a:ext cx="10901083" cy="5078313"/>
           </a:xfrm>
           <a:prstGeom prst="rect">
             <a:avLst/>
@@ -3744,6 +3744,9 @@
             <a:endParaRPr lang="en-US" altLang="ja-JP" sz="3600" dirty="0"/>
           </a:p>
           <a:p>
+            <a:endParaRPr lang="en-US" altLang="ja-JP" sz="3600" dirty="0"/>
+          </a:p>
+          <a:p>
             <a:r>
               <a:rPr lang="ja-JP" altLang="en-US" sz="3600" dirty="0"/>
               <a:t>長めの１ステージ</a:t>
@@ -3751,6 +3754,9 @@
             <a:endParaRPr lang="en-US" altLang="ja-JP" sz="3600" dirty="0"/>
           </a:p>
           <a:p>
+            <a:endParaRPr lang="en-US" altLang="ja-JP" sz="3600" dirty="0"/>
+          </a:p>
+          <a:p>
             <a:r>
               <a:rPr lang="ja-JP" altLang="en-US" sz="3600" dirty="0"/>
               <a:t>プレイヤー、敵、弾、ブロック、旗、コインが存在している</a:t>
@@ -3758,10 +3764,16 @@
             <a:endParaRPr lang="en-US" altLang="ja-JP" sz="3600" dirty="0"/>
           </a:p>
           <a:p>
+            <a:endParaRPr lang="en-US" altLang="ja-JP" sz="3600" dirty="0"/>
+          </a:p>
+          <a:p>
             <a:r>
               <a:rPr kumimoji="1" lang="ja-JP" altLang="en-US" sz="3600" dirty="0"/>
               <a:t>プレイヤーがコインを一定数集めるとクリア画面に移行</a:t>
             </a:r>
+            <a:endParaRPr kumimoji="1" lang="en-US" altLang="ja-JP" sz="3600" dirty="0"/>
+          </a:p>
+          <a:p>
             <a:endParaRPr kumimoji="1" lang="en-US" altLang="ja-JP" sz="3600" dirty="0"/>
           </a:p>
           <a:p>
